--- a/計劃書、簡報/專題進度報告12_30.pptx
+++ b/計劃書、簡報/專題進度報告12_30.pptx
@@ -5,11 +5,12 @@
     <p:sldMasterId id="2147483720" r:id="rId1"/>
   </p:sldMasterIdLst>
   <p:notesMasterIdLst>
-    <p:notesMasterId r:id="rId4"/>
+    <p:notesMasterId r:id="rId5"/>
   </p:notesMasterIdLst>
   <p:sldIdLst>
     <p:sldId id="257" r:id="rId2"/>
     <p:sldId id="256" r:id="rId3"/>
+    <p:sldId id="258" r:id="rId4"/>
   </p:sldIdLst>
   <p:sldSz cx="12192000" cy="6858000"/>
   <p:notesSz cx="6858000" cy="9144000"/>
@@ -198,7 +199,7 @@
           <a:p>
             <a:fld id="{7B695AE6-950A-4AF4-806B-8F8DB6520203}" type="datetimeFigureOut">
               <a:rPr lang="zh-TW" altLang="en-US" smtClean="0"/>
-              <a:t>2020/12/29</a:t>
+              <a:t>2020/12/30</a:t>
             </a:fld>
             <a:endParaRPr lang="zh-TW" altLang="en-US"/>
           </a:p>
@@ -716,7 +717,7 @@
           <a:p>
             <a:fld id="{B63A7ECB-38DB-4525-A189-B5572274BBFE}" type="datetimeFigureOut">
               <a:rPr lang="zh-TW" altLang="en-US" smtClean="0"/>
-              <a:t>2020/12/29</a:t>
+              <a:t>2020/12/30</a:t>
             </a:fld>
             <a:endParaRPr lang="zh-TW" altLang="en-US"/>
           </a:p>
@@ -914,7 +915,7 @@
           <a:p>
             <a:fld id="{B63A7ECB-38DB-4525-A189-B5572274BBFE}" type="datetimeFigureOut">
               <a:rPr lang="zh-TW" altLang="en-US" smtClean="0"/>
-              <a:t>2020/12/29</a:t>
+              <a:t>2020/12/30</a:t>
             </a:fld>
             <a:endParaRPr lang="zh-TW" altLang="en-US"/>
           </a:p>
@@ -1122,7 +1123,7 @@
           <a:p>
             <a:fld id="{B63A7ECB-38DB-4525-A189-B5572274BBFE}" type="datetimeFigureOut">
               <a:rPr lang="zh-TW" altLang="en-US" smtClean="0"/>
-              <a:t>2020/12/29</a:t>
+              <a:t>2020/12/30</a:t>
             </a:fld>
             <a:endParaRPr lang="zh-TW" altLang="en-US"/>
           </a:p>
@@ -1320,7 +1321,7 @@
           <a:p>
             <a:fld id="{B63A7ECB-38DB-4525-A189-B5572274BBFE}" type="datetimeFigureOut">
               <a:rPr lang="zh-TW" altLang="en-US" smtClean="0"/>
-              <a:t>2020/12/29</a:t>
+              <a:t>2020/12/30</a:t>
             </a:fld>
             <a:endParaRPr lang="zh-TW" altLang="en-US"/>
           </a:p>
@@ -1595,7 +1596,7 @@
           <a:p>
             <a:fld id="{B63A7ECB-38DB-4525-A189-B5572274BBFE}" type="datetimeFigureOut">
               <a:rPr lang="zh-TW" altLang="en-US" smtClean="0"/>
-              <a:t>2020/12/29</a:t>
+              <a:t>2020/12/30</a:t>
             </a:fld>
             <a:endParaRPr lang="zh-TW" altLang="en-US"/>
           </a:p>
@@ -1860,7 +1861,7 @@
           <a:p>
             <a:fld id="{B63A7ECB-38DB-4525-A189-B5572274BBFE}" type="datetimeFigureOut">
               <a:rPr lang="zh-TW" altLang="en-US" smtClean="0"/>
-              <a:t>2020/12/29</a:t>
+              <a:t>2020/12/30</a:t>
             </a:fld>
             <a:endParaRPr lang="zh-TW" altLang="en-US"/>
           </a:p>
@@ -2272,7 +2273,7 @@
           <a:p>
             <a:fld id="{B63A7ECB-38DB-4525-A189-B5572274BBFE}" type="datetimeFigureOut">
               <a:rPr lang="zh-TW" altLang="en-US" smtClean="0"/>
-              <a:t>2020/12/29</a:t>
+              <a:t>2020/12/30</a:t>
             </a:fld>
             <a:endParaRPr lang="zh-TW" altLang="en-US"/>
           </a:p>
@@ -2413,7 +2414,7 @@
           <a:p>
             <a:fld id="{B63A7ECB-38DB-4525-A189-B5572274BBFE}" type="datetimeFigureOut">
               <a:rPr lang="zh-TW" altLang="en-US" smtClean="0"/>
-              <a:t>2020/12/29</a:t>
+              <a:t>2020/12/30</a:t>
             </a:fld>
             <a:endParaRPr lang="zh-TW" altLang="en-US"/>
           </a:p>
@@ -2526,7 +2527,7 @@
           <a:p>
             <a:fld id="{B63A7ECB-38DB-4525-A189-B5572274BBFE}" type="datetimeFigureOut">
               <a:rPr lang="zh-TW" altLang="en-US" smtClean="0"/>
-              <a:t>2020/12/29</a:t>
+              <a:t>2020/12/30</a:t>
             </a:fld>
             <a:endParaRPr lang="zh-TW" altLang="en-US"/>
           </a:p>
@@ -2837,7 +2838,7 @@
           <a:p>
             <a:fld id="{B63A7ECB-38DB-4525-A189-B5572274BBFE}" type="datetimeFigureOut">
               <a:rPr lang="zh-TW" altLang="en-US" smtClean="0"/>
-              <a:t>2020/12/29</a:t>
+              <a:t>2020/12/30</a:t>
             </a:fld>
             <a:endParaRPr lang="zh-TW" altLang="en-US"/>
           </a:p>
@@ -3125,7 +3126,7 @@
           <a:p>
             <a:fld id="{B63A7ECB-38DB-4525-A189-B5572274BBFE}" type="datetimeFigureOut">
               <a:rPr lang="zh-TW" altLang="en-US" smtClean="0"/>
-              <a:t>2020/12/29</a:t>
+              <a:t>2020/12/30</a:t>
             </a:fld>
             <a:endParaRPr lang="zh-TW" altLang="en-US"/>
           </a:p>
@@ -3202,9 +3203,14 @@
 <p:sldMaster xmlns:a="http://schemas.openxmlformats.org/drawingml/2006/main" xmlns:r="http://schemas.openxmlformats.org/officeDocument/2006/relationships" xmlns:p="http://schemas.openxmlformats.org/presentationml/2006/main">
   <p:cSld>
     <p:bg>
-      <p:bgRef idx="1001">
-        <a:schemeClr val="bg1"/>
-      </p:bgRef>
+      <p:bgPr>
+        <a:blipFill dpi="0" rotWithShape="1">
+          <a:blip r:embed="rId13"/>
+          <a:srcRect/>
+          <a:tile tx="0" ty="0" sx="100000" sy="100000" flip="none" algn="tl"/>
+        </a:blipFill>
+        <a:effectLst/>
+      </p:bgPr>
     </p:bg>
     <p:spTree>
       <p:nvGrpSpPr>
@@ -3366,7 +3372,7 @@
           <a:p>
             <a:fld id="{B63A7ECB-38DB-4525-A189-B5572274BBFE}" type="datetimeFigureOut">
               <a:rPr lang="zh-TW" altLang="en-US" smtClean="0"/>
-              <a:t>2020/12/29</a:t>
+              <a:t>2020/12/30</a:t>
             </a:fld>
             <a:endParaRPr lang="zh-TW" altLang="en-US"/>
           </a:p>
@@ -3827,36 +3833,52 @@
               <a:buNone/>
             </a:pPr>
             <a:r>
-              <a:rPr lang="en-US" sz="6480" dirty="0"/>
+              <a:rPr lang="zh-TW" altLang="en-US" sz="6480" dirty="0"/>
               <a:t>		</a:t>
             </a:r>
             <a:br>
-              <a:rPr lang="en-US" sz="6480" dirty="0"/>
+              <a:rPr lang="zh-TW" altLang="en-US" sz="6480" dirty="0"/>
             </a:br>
             <a:br>
-              <a:rPr lang="en-US" sz="6480" dirty="0"/>
+              <a:rPr lang="zh-TW" altLang="en-US" sz="6480" dirty="0"/>
             </a:br>
             <a:br>
-              <a:rPr lang="en-US" sz="6480" dirty="0"/>
+              <a:rPr lang="zh-TW" altLang="en-US" sz="6480" dirty="0"/>
             </a:br>
             <a:br>
-              <a:rPr lang="en-US" sz="6480" dirty="0"/>
+              <a:rPr lang="zh-TW" altLang="en-US" sz="6480" dirty="0"/>
             </a:br>
             <a:r>
-              <a:rPr lang="en-US" sz="6480" dirty="0" err="1"/>
+              <a:rPr lang="zh-TW" altLang="en-US" sz="6480" dirty="0"/>
               <a:t>專題進度報告</a:t>
             </a:r>
             <a:br>
-              <a:rPr lang="en-US" sz="6480" dirty="0"/>
+              <a:rPr lang="zh-TW" altLang="en-US" sz="6480" dirty="0"/>
             </a:br>
             <a:r>
-              <a:rPr lang="en-US" sz="6480" dirty="0"/>
-              <a:t>						</a:t>
+              <a:rPr lang="zh-TW" altLang="en-US" sz="6480" dirty="0"/>
+              <a:t>					</a:t>
+            </a:r>
+            <a:r>
+              <a:rPr lang="zh-TW" altLang="en-US" sz="6480" dirty="0">
+                <a:solidFill>
+                  <a:schemeClr val="bg1"/>
+                </a:solidFill>
+              </a:rPr>
+              <a:t>	</a:t>
             </a:r>
             <a:br>
-              <a:rPr lang="en-US" sz="4320" dirty="0"/>
+              <a:rPr lang="zh-TW" altLang="en-US" sz="4320" dirty="0">
+                <a:solidFill>
+                  <a:schemeClr val="bg1"/>
+                </a:solidFill>
+              </a:rPr>
             </a:br>
-            <a:endParaRPr sz="4320" dirty="0"/>
+            <a:endParaRPr lang="zh-TW" altLang="en-US" sz="4320" dirty="0">
+              <a:solidFill>
+                <a:schemeClr val="bg1"/>
+              </a:solidFill>
+            </a:endParaRPr>
           </a:p>
         </p:txBody>
       </p:sp>
@@ -3872,7 +3894,7 @@
         </p:nvSpPr>
         <p:spPr>
           <a:xfrm>
-            <a:off x="2805116" y="4153097"/>
+            <a:off x="2805116" y="3890665"/>
             <a:ext cx="8825658" cy="901796"/>
           </a:xfrm>
           <a:prstGeom prst="rect">
@@ -3900,7 +3922,7 @@
               <a:buNone/>
             </a:pPr>
             <a:r>
-              <a:rPr lang="en-US" sz="4300" dirty="0">
+              <a:rPr lang="zh-TW" altLang="en-US" sz="4300" dirty="0">
                 <a:solidFill>
                   <a:schemeClr val="lt2"/>
                 </a:solidFill>
@@ -3908,66 +3930,18 @@
               <a:t> </a:t>
             </a:r>
             <a:r>
-              <a:rPr lang="en-US" sz="2400" dirty="0" err="1">
-                <a:solidFill>
-                  <a:schemeClr val="tx1"/>
-                </a:solidFill>
-              </a:rPr>
-              <a:t>組員</a:t>
-            </a:r>
-            <a:r>
-              <a:rPr lang="en-US" sz="2400" dirty="0">
-                <a:solidFill>
-                  <a:schemeClr val="tx1"/>
-                </a:solidFill>
-              </a:rPr>
-              <a:t> : </a:t>
-            </a:r>
-            <a:r>
-              <a:rPr lang="en-US" sz="2400" dirty="0" err="1">
-                <a:solidFill>
-                  <a:schemeClr val="tx1"/>
-                </a:solidFill>
-              </a:rPr>
-              <a:t>李宗穎</a:t>
-            </a:r>
-            <a:r>
-              <a:rPr lang="en-US" sz="2400" dirty="0">
-                <a:solidFill>
-                  <a:schemeClr val="tx1"/>
-                </a:solidFill>
-              </a:rPr>
-              <a:t> 、 </a:t>
-            </a:r>
-            <a:r>
-              <a:rPr lang="en-US" sz="2400" dirty="0" err="1">
-                <a:solidFill>
-                  <a:schemeClr val="tx1"/>
-                </a:solidFill>
-              </a:rPr>
-              <a:t>葉韋均、關柏龍</a:t>
-            </a:r>
-            <a:r>
-              <a:rPr lang="en-US" sz="2400" dirty="0">
-                <a:solidFill>
-                  <a:schemeClr val="tx1"/>
-                </a:solidFill>
-              </a:rPr>
-              <a:t> 、 </a:t>
-            </a:r>
-            <a:r>
-              <a:rPr lang="en-US" sz="2400" dirty="0" err="1">
-                <a:solidFill>
-                  <a:schemeClr val="tx1"/>
-                </a:solidFill>
-              </a:rPr>
-              <a:t>張政祺</a:t>
-            </a:r>
-            <a:endParaRPr sz="4300" dirty="0">
-              <a:solidFill>
-                <a:schemeClr val="tx1"/>
-              </a:solidFill>
-            </a:endParaRPr>
+              <a:rPr lang="zh-TW" altLang="en-US" sz="2400" dirty="0"/>
+              <a:t>組員 </a:t>
+            </a:r>
+            <a:r>
+              <a:rPr lang="en-US" altLang="zh-TW" sz="2400" dirty="0"/>
+              <a:t>: </a:t>
+            </a:r>
+            <a:r>
+              <a:rPr lang="zh-TW" altLang="en-US" sz="2400" dirty="0"/>
+              <a:t>李宗穎 、 葉韋均、關柏龍 、 張政祺</a:t>
+            </a:r>
+            <a:endParaRPr lang="zh-TW" altLang="en-US" sz="4300" dirty="0"/>
           </a:p>
         </p:txBody>
       </p:sp>
@@ -3979,7 +3953,7 @@
         </p:nvSpPr>
         <p:spPr>
           <a:xfrm>
-            <a:off x="4974055" y="3709967"/>
+            <a:off x="4974055" y="3429000"/>
             <a:ext cx="2243890" cy="461665"/>
           </a:xfrm>
           <a:prstGeom prst="rect">
@@ -4006,26 +3980,23 @@
               <a:buNone/>
             </a:pPr>
             <a:r>
-              <a:rPr lang="en-US" sz="2400" b="0" i="0" u="none" strike="noStrike" cap="none">
-                <a:solidFill>
-                  <a:schemeClr val="lt1"/>
-                </a:solidFill>
-                <a:latin typeface="Century Gothic"/>
-                <a:ea typeface="Century Gothic"/>
-                <a:cs typeface="Century Gothic"/>
+              <a:rPr lang="zh-TW" altLang="en-US" sz="2400" dirty="0">
                 <a:sym typeface="Century Gothic"/>
               </a:rPr>
-              <a:t>教授:曾士桓</a:t>
-            </a:r>
-            <a:endParaRPr sz="2400">
-              <a:solidFill>
-                <a:schemeClr val="lt1"/>
-              </a:solidFill>
-              <a:latin typeface="Century Gothic"/>
-              <a:ea typeface="Century Gothic"/>
-              <a:cs typeface="Century Gothic"/>
-              <a:sym typeface="Century Gothic"/>
-            </a:endParaRPr>
+              <a:t>教授</a:t>
+            </a:r>
+            <a:r>
+              <a:rPr lang="en-US" altLang="zh-TW" sz="2400" dirty="0">
+                <a:sym typeface="Century Gothic"/>
+              </a:rPr>
+              <a:t>:</a:t>
+            </a:r>
+            <a:r>
+              <a:rPr lang="zh-TW" altLang="en-US" sz="2400" dirty="0">
+                <a:sym typeface="Century Gothic"/>
+              </a:rPr>
+              <a:t>曾士桓</a:t>
+            </a:r>
           </a:p>
         </p:txBody>
       </p:sp>
@@ -7198,6 +7169,105 @@
     <p:extLst>
       <p:ext uri="{BB962C8B-B14F-4D97-AF65-F5344CB8AC3E}">
         <p14:creationId xmlns:p14="http://schemas.microsoft.com/office/powerpoint/2010/main" val="3829362357"/>
+      </p:ext>
+    </p:extLst>
+  </p:cSld>
+  <p:clrMapOvr>
+    <a:masterClrMapping/>
+  </p:clrMapOvr>
+</p:sld>
+</file>
+
+<file path=ppt/slides/slide3.xml><?xml version="1.0" encoding="utf-8"?>
+<p:sld xmlns:a="http://schemas.openxmlformats.org/drawingml/2006/main" xmlns:r="http://schemas.openxmlformats.org/officeDocument/2006/relationships" xmlns:p="http://schemas.openxmlformats.org/presentationml/2006/main">
+  <p:cSld>
+    <p:spTree>
+      <p:nvGrpSpPr>
+        <p:cNvPr id="1" name=""/>
+        <p:cNvGrpSpPr/>
+        <p:nvPr/>
+      </p:nvGrpSpPr>
+      <p:grpSpPr>
+        <a:xfrm>
+          <a:off x="0" y="0"/>
+          <a:ext cx="0" cy="0"/>
+          <a:chOff x="0" y="0"/>
+          <a:chExt cx="0" cy="0"/>
+        </a:xfrm>
+      </p:grpSpPr>
+      <p:sp>
+        <p:nvSpPr>
+          <p:cNvPr id="2" name="標題 1">
+            <a:extLst>
+              <a:ext uri="{FF2B5EF4-FFF2-40B4-BE49-F238E27FC236}">
+                <a16:creationId xmlns:a16="http://schemas.microsoft.com/office/drawing/2014/main" id="{1A95D21A-47DC-D549-A7E5-4137EAC5C716}"/>
+              </a:ext>
+            </a:extLst>
+          </p:cNvPr>
+          <p:cNvSpPr>
+            <a:spLocks noGrp="1"/>
+          </p:cNvSpPr>
+          <p:nvPr>
+            <p:ph type="title"/>
+          </p:nvPr>
+        </p:nvSpPr>
+        <p:spPr>
+          <a:xfrm>
+            <a:off x="838200" y="2924174"/>
+            <a:ext cx="5018903" cy="1009651"/>
+          </a:xfrm>
+        </p:spPr>
+        <p:txBody>
+          <a:bodyPr>
+            <a:normAutofit/>
+          </a:bodyPr>
+          <a:lstStyle/>
+          <a:p>
+            <a:r>
+              <a:rPr kumimoji="1" lang="en-US" altLang="zh-TW" dirty="0" err="1"/>
+              <a:t>FSM_Code</a:t>
+            </a:r>
+            <a:r>
+              <a:rPr kumimoji="1" lang="zh-TW" altLang="en-US" dirty="0"/>
+              <a:t>雛形</a:t>
+            </a:r>
+          </a:p>
+        </p:txBody>
+      </p:sp>
+      <p:sp>
+        <p:nvSpPr>
+          <p:cNvPr id="3" name="內容版面配置區 2">
+            <a:extLst>
+              <a:ext uri="{FF2B5EF4-FFF2-40B4-BE49-F238E27FC236}">
+                <a16:creationId xmlns:a16="http://schemas.microsoft.com/office/drawing/2014/main" id="{41E1FFA0-0E39-0440-BBB7-85544BB24311}"/>
+              </a:ext>
+            </a:extLst>
+          </p:cNvPr>
+          <p:cNvSpPr>
+            <a:spLocks noGrp="1"/>
+          </p:cNvSpPr>
+          <p:nvPr>
+            <p:ph idx="1"/>
+          </p:nvPr>
+        </p:nvSpPr>
+        <p:spPr>
+          <a:xfrm>
+            <a:off x="4519246" y="681037"/>
+            <a:ext cx="6834554" cy="5495926"/>
+          </a:xfrm>
+        </p:spPr>
+        <p:txBody>
+          <a:bodyPr/>
+          <a:lstStyle/>
+          <a:p>
+            <a:endParaRPr kumimoji="1" lang="zh-TW" altLang="en-US" dirty="0"/>
+          </a:p>
+        </p:txBody>
+      </p:sp>
+    </p:spTree>
+    <p:extLst>
+      <p:ext uri="{BB962C8B-B14F-4D97-AF65-F5344CB8AC3E}">
+        <p14:creationId xmlns:p14="http://schemas.microsoft.com/office/powerpoint/2010/main" val="3678093234"/>
       </p:ext>
     </p:extLst>
   </p:cSld>
